--- a/docs/slides/nnintro-ch5-ffnn.pptx
+++ b/docs/slides/nnintro-ch5-ffnn.pptx
@@ -288,7 +288,7 @@
           <a:p>
             <a:fld id="{B01994EC-483D-324E-A14B-FCB2363A6145}" type="datetimeFigureOut">
               <a:rPr lang="en-US" smtClean="0"/>
-              <a:t>10/10/24</a:t>
+              <a:t>10/8/25</a:t>
             </a:fld>
             <a:endParaRPr lang="en-US"/>
           </a:p>
@@ -454,7 +454,7 @@
           <a:p>
             <a:fld id="{14CAC850-72E3-3F4D-B35F-F73F8A3CE0A9}" type="datetimeFigureOut">
               <a:rPr lang="en-US" smtClean="0"/>
-              <a:t>10/10/24</a:t>
+              <a:t>10/8/25</a:t>
             </a:fld>
             <a:endParaRPr lang="en-US"/>
           </a:p>
@@ -985,7 +985,7 @@
           <a:p>
             <a:fld id="{0B7FF8D0-70A2-2644-AB9A-71B243683867}" type="datetime1">
               <a:rPr lang="en-US" smtClean="0"/>
-              <a:t>10/10/24</a:t>
+              <a:t>10/8/25</a:t>
             </a:fld>
             <a:endParaRPr lang="en-US"/>
           </a:p>
@@ -1188,7 +1188,7 @@
           <a:p>
             <a:fld id="{103ADB3E-F530-B04E-9C00-73A665A746DF}" type="datetime1">
               <a:rPr lang="en-US" smtClean="0"/>
-              <a:t>10/10/24</a:t>
+              <a:t>10/8/25</a:t>
             </a:fld>
             <a:endParaRPr lang="en-US"/>
           </a:p>
@@ -1401,7 +1401,7 @@
           <a:p>
             <a:fld id="{29AA8647-DDC8-8045-929B-87F8A0123AAC}" type="datetime1">
               <a:rPr lang="en-US" smtClean="0"/>
-              <a:t>10/10/24</a:t>
+              <a:t>10/8/25</a:t>
             </a:fld>
             <a:endParaRPr lang="en-US"/>
           </a:p>
@@ -1911,7 +1911,7 @@
           <a:p>
             <a:fld id="{0E798730-4C36-8843-9EA4-9C3064893DBD}" type="datetime1">
               <a:rPr lang="en-US" smtClean="0"/>
-              <a:t>10/10/24</a:t>
+              <a:t>10/8/25</a:t>
             </a:fld>
             <a:endParaRPr lang="en-US"/>
           </a:p>
@@ -2191,7 +2191,7 @@
           <a:p>
             <a:fld id="{1D207688-05DA-4D47-AA55-61A105CE9D81}" type="datetime1">
               <a:rPr lang="en-US" smtClean="0"/>
-              <a:t>10/10/24</a:t>
+              <a:t>10/8/25</a:t>
             </a:fld>
             <a:endParaRPr lang="en-US"/>
           </a:p>
@@ -2476,7 +2476,7 @@
           <a:p>
             <a:fld id="{F3AF4D28-8309-FE49-AB2C-BE2DC70C9A1C}" type="datetime1">
               <a:rPr lang="en-US" smtClean="0"/>
-              <a:t>10/10/24</a:t>
+              <a:t>10/8/25</a:t>
             </a:fld>
             <a:endParaRPr lang="en-US"/>
           </a:p>
@@ -2930,7 +2930,7 @@
           <a:p>
             <a:fld id="{93C85934-7B0D-E641-970A-4611A6D96867}" type="datetime1">
               <a:rPr lang="en-US" smtClean="0"/>
-              <a:t>10/10/24</a:t>
+              <a:t>10/8/25</a:t>
             </a:fld>
             <a:endParaRPr lang="en-US"/>
           </a:p>
@@ -3087,7 +3087,7 @@
           <a:p>
             <a:fld id="{9E954B22-D73B-5641-AE5B-A44D888704A2}" type="datetime1">
               <a:rPr lang="en-US" smtClean="0"/>
-              <a:t>10/10/24</a:t>
+              <a:t>10/8/25</a:t>
             </a:fld>
             <a:endParaRPr lang="en-US"/>
           </a:p>
@@ -3217,7 +3217,7 @@
           <a:p>
             <a:fld id="{FAF56C4A-8140-4243-9F4B-6A0F328069B3}" type="datetime1">
               <a:rPr lang="en-US" smtClean="0"/>
-              <a:t>10/10/24</a:t>
+              <a:t>10/8/25</a:t>
             </a:fld>
             <a:endParaRPr lang="en-US"/>
           </a:p>
@@ -3492,7 +3492,7 @@
           <a:p>
             <a:fld id="{0AB7471A-7A79-1F42-B8F4-4C366A4D2860}" type="datetime1">
               <a:rPr lang="en-US" smtClean="0"/>
-              <a:t>10/10/24</a:t>
+              <a:t>10/8/25</a:t>
             </a:fld>
             <a:endParaRPr lang="en-US"/>
           </a:p>
@@ -3744,7 +3744,7 @@
           <a:p>
             <a:fld id="{8F7C599A-C565-AA4F-B0B7-B1C9F3E19B32}" type="datetime1">
               <a:rPr lang="en-US" smtClean="0"/>
-              <a:t>10/10/24</a:t>
+              <a:t>10/8/25</a:t>
             </a:fld>
             <a:endParaRPr lang="en-US"/>
           </a:p>
@@ -3955,7 +3955,7 @@
           <a:p>
             <a:fld id="{07193804-F157-E84E-A058-6F1D58E71D89}" type="datetime1">
               <a:rPr lang="en-US" smtClean="0"/>
-              <a:t>10/10/24</a:t>
+              <a:t>10/8/25</a:t>
             </a:fld>
             <a:endParaRPr lang="en-US"/>
           </a:p>
@@ -9525,10 +9525,10 @@
         </p:nvGrpSpPr>
         <p:grpSpPr>
           <a:xfrm>
-            <a:off x="1524000" y="5506593"/>
-            <a:ext cx="6332182" cy="1096504"/>
-            <a:chOff x="1524000" y="5506593"/>
-            <a:chExt cx="6332182" cy="1096504"/>
+            <a:off x="607983" y="5506593"/>
+            <a:ext cx="8164223" cy="1096504"/>
+            <a:chOff x="607983" y="5506593"/>
+            <a:chExt cx="8164223" cy="1096504"/>
           </a:xfrm>
         </p:grpSpPr>
         <p:sp>
@@ -9589,8 +9589,8 @@
           </p:nvSpPr>
           <p:spPr>
             <a:xfrm>
-              <a:off x="1524000" y="5956766"/>
-              <a:ext cx="6332182" cy="646331"/>
+              <a:off x="607983" y="5956766"/>
+              <a:ext cx="8164223" cy="646331"/>
             </a:xfrm>
             <a:prstGeom prst="rect">
               <a:avLst/>
@@ -9613,7 +9613,7 @@
               <a:pPr algn="ctr"/>
               <a:r>
                 <a:rPr lang="en-US" dirty="0"/>
-                <a:t>Adjust weights and biases based on the magnitude of the mistake</a:t>
+                <a:t>Adjust weights and biases based on the magnitude of the contribution to the mistake</a:t>
               </a:r>
             </a:p>
           </p:txBody>
@@ -11935,12 +11935,12 @@
         <p:spPr>
           <a:xfrm>
             <a:off x="5065055" y="3971365"/>
-            <a:ext cx="3155579" cy="1667435"/>
+            <a:ext cx="3155579" cy="2332791"/>
           </a:xfrm>
           <a:prstGeom prst="wedgeRoundRectCallout">
             <a:avLst>
-              <a:gd name="adj1" fmla="val -52806"/>
-              <a:gd name="adj2" fmla="val -115021"/>
+              <a:gd name="adj1" fmla="val -53042"/>
+              <a:gd name="adj2" fmla="val -97494"/>
               <a:gd name="adj3" fmla="val 16667"/>
             </a:avLst>
           </a:prstGeom>
@@ -11974,7 +11974,15 @@
             </a:r>
             <a:r>
               <a:rPr lang="en-US" dirty="0"/>
-              <a:t> neurons in the last layer. However, neuron </a:t>
+              <a:t> neurons in the last layer because </a:t>
+            </a:r>
+            <a:r>
+              <a:rPr lang="en-US" i="1" dirty="0"/>
+              <a:t>C</a:t>
+            </a:r>
+            <a:r>
+              <a:rPr lang="en-US" dirty="0"/>
+              <a:t> depends on all activations in the last layer. However, neuron </a:t>
             </a:r>
             <a:r>
               <a:rPr lang="en-US" i="1" dirty="0" err="1"/>
@@ -12664,7 +12672,7 @@
             </a:r>
             <a:r>
               <a:rPr lang="en-US" sz="2400" dirty="0"/>
-              <a:t> is larger, the error will be small. When the neuron is “confused,” e.g., its output </a:t>
+              <a:t> is large, the error will be small. When the neuron is “confused,” e.g., its output </a:t>
             </a:r>
             <a:r>
               <a:rPr lang="en-US" sz="2400" dirty="0">
@@ -16100,7 +16108,15 @@
           <a:p>
             <a:r>
               <a:rPr lang="en-US" dirty="0"/>
-              <a:t>There are auto-differentiation libraries nowadays. </a:t>
+              <a:t>There are auto-differentiation libraries nowadays that can compute the partial derivative </a:t>
+            </a:r>
+            <a:r>
+              <a:rPr lang="en-US" dirty="0" err="1"/>
+              <a:t>wrt</a:t>
+            </a:r>
+            <a:r>
+              <a:rPr lang="en-US" dirty="0"/>
+              <a:t> to any parameter directly... </a:t>
             </a:r>
             <a:r>
               <a:rPr lang="en-US" dirty="0">
